--- a/Fihirana Fanampiny/FF 14.pptx
+++ b/Fihirana Fanampiny/FF 14.pptx
@@ -107,6 +107,11 @@
       </a:defRPr>
     </a:lvl9pPr>
   </p:defaultTextStyle>
+  <p:extLst>
+    <p:ext uri="{EFAFB233-063F-42B5-8137-9DF3F51BA10A}">
+      <p15:sldGuideLst xmlns:p15="http://schemas.microsoft.com/office/powerpoint/2012/main"/>
+    </p:ext>
+  </p:extLst>
 </p:presentation>
 </file>
 
@@ -152,10 +157,9 @@
           </a:lstStyle>
           <a:p>
             <a:r>
-              <a:rPr lang="fr-FR" smtClean="0"/>
+              <a:rPr lang="fr-FR"/>
               <a:t>Modifiez le style du titre</a:t>
             </a:r>
-            <a:endParaRPr lang="fr-FR"/>
           </a:p>
         </p:txBody>
       </p:sp>
@@ -217,10 +221,9 @@
           </a:lstStyle>
           <a:p>
             <a:r>
-              <a:rPr lang="fr-FR" smtClean="0"/>
+              <a:rPr lang="fr-FR"/>
               <a:t>Modifiez le style des sous-titres du masque</a:t>
             </a:r>
-            <a:endParaRPr lang="fr-FR"/>
           </a:p>
         </p:txBody>
       </p:sp>
@@ -241,7 +244,7 @@
           <a:p>
             <a:fld id="{2ABC686B-68B3-4C91-AEB9-C09836735831}" type="datetimeFigureOut">
               <a:rPr lang="fr-FR" smtClean="0"/>
-              <a:t>29/08/2021</a:t>
+              <a:t>09/07/2023</a:t>
             </a:fld>
             <a:endParaRPr lang="fr-FR"/>
           </a:p>
@@ -335,10 +338,9 @@
           <a:lstStyle/>
           <a:p>
             <a:r>
-              <a:rPr lang="fr-FR" smtClean="0"/>
+              <a:rPr lang="fr-FR"/>
               <a:t>Modifiez le style du titre</a:t>
             </a:r>
-            <a:endParaRPr lang="fr-FR"/>
           </a:p>
         </p:txBody>
       </p:sp>
@@ -359,38 +361,37 @@
           <a:p>
             <a:pPr lvl="0"/>
             <a:r>
-              <a:rPr lang="fr-FR" smtClean="0"/>
+              <a:rPr lang="fr-FR"/>
               <a:t>Modifiez les styles du texte du masque</a:t>
             </a:r>
           </a:p>
           <a:p>
             <a:pPr lvl="1"/>
             <a:r>
-              <a:rPr lang="fr-FR" smtClean="0"/>
+              <a:rPr lang="fr-FR"/>
               <a:t>Deuxième niveau</a:t>
             </a:r>
           </a:p>
           <a:p>
             <a:pPr lvl="2"/>
             <a:r>
-              <a:rPr lang="fr-FR" smtClean="0"/>
+              <a:rPr lang="fr-FR"/>
               <a:t>Troisième niveau</a:t>
             </a:r>
           </a:p>
           <a:p>
             <a:pPr lvl="3"/>
             <a:r>
-              <a:rPr lang="fr-FR" smtClean="0"/>
+              <a:rPr lang="fr-FR"/>
               <a:t>Quatrième niveau</a:t>
             </a:r>
           </a:p>
           <a:p>
             <a:pPr lvl="4"/>
             <a:r>
-              <a:rPr lang="fr-FR" smtClean="0"/>
+              <a:rPr lang="fr-FR"/>
               <a:t>Cinquième niveau</a:t>
             </a:r>
-            <a:endParaRPr lang="fr-FR"/>
           </a:p>
         </p:txBody>
       </p:sp>
@@ -411,7 +412,7 @@
           <a:p>
             <a:fld id="{2ABC686B-68B3-4C91-AEB9-C09836735831}" type="datetimeFigureOut">
               <a:rPr lang="fr-FR" smtClean="0"/>
-              <a:t>29/08/2021</a:t>
+              <a:t>09/07/2023</a:t>
             </a:fld>
             <a:endParaRPr lang="fr-FR"/>
           </a:p>
@@ -510,10 +511,9 @@
           <a:lstStyle/>
           <a:p>
             <a:r>
-              <a:rPr lang="fr-FR" smtClean="0"/>
+              <a:rPr lang="fr-FR"/>
               <a:t>Modifiez le style du titre</a:t>
             </a:r>
-            <a:endParaRPr lang="fr-FR"/>
           </a:p>
         </p:txBody>
       </p:sp>
@@ -539,38 +539,37 @@
           <a:p>
             <a:pPr lvl="0"/>
             <a:r>
-              <a:rPr lang="fr-FR" smtClean="0"/>
+              <a:rPr lang="fr-FR"/>
               <a:t>Modifiez les styles du texte du masque</a:t>
             </a:r>
           </a:p>
           <a:p>
             <a:pPr lvl="1"/>
             <a:r>
-              <a:rPr lang="fr-FR" smtClean="0"/>
+              <a:rPr lang="fr-FR"/>
               <a:t>Deuxième niveau</a:t>
             </a:r>
           </a:p>
           <a:p>
             <a:pPr lvl="2"/>
             <a:r>
-              <a:rPr lang="fr-FR" smtClean="0"/>
+              <a:rPr lang="fr-FR"/>
               <a:t>Troisième niveau</a:t>
             </a:r>
           </a:p>
           <a:p>
             <a:pPr lvl="3"/>
             <a:r>
-              <a:rPr lang="fr-FR" smtClean="0"/>
+              <a:rPr lang="fr-FR"/>
               <a:t>Quatrième niveau</a:t>
             </a:r>
           </a:p>
           <a:p>
             <a:pPr lvl="4"/>
             <a:r>
-              <a:rPr lang="fr-FR" smtClean="0"/>
+              <a:rPr lang="fr-FR"/>
               <a:t>Cinquième niveau</a:t>
             </a:r>
-            <a:endParaRPr lang="fr-FR"/>
           </a:p>
         </p:txBody>
       </p:sp>
@@ -591,7 +590,7 @@
           <a:p>
             <a:fld id="{2ABC686B-68B3-4C91-AEB9-C09836735831}" type="datetimeFigureOut">
               <a:rPr lang="fr-FR" smtClean="0"/>
-              <a:t>29/08/2021</a:t>
+              <a:t>09/07/2023</a:t>
             </a:fld>
             <a:endParaRPr lang="fr-FR"/>
           </a:p>
@@ -685,10 +684,9 @@
           <a:lstStyle/>
           <a:p>
             <a:r>
-              <a:rPr lang="fr-FR" smtClean="0"/>
+              <a:rPr lang="fr-FR"/>
               <a:t>Modifiez le style du titre</a:t>
             </a:r>
-            <a:endParaRPr lang="fr-FR"/>
           </a:p>
         </p:txBody>
       </p:sp>
@@ -709,38 +707,37 @@
           <a:p>
             <a:pPr lvl="0"/>
             <a:r>
-              <a:rPr lang="fr-FR" smtClean="0"/>
+              <a:rPr lang="fr-FR"/>
               <a:t>Modifiez les styles du texte du masque</a:t>
             </a:r>
           </a:p>
           <a:p>
             <a:pPr lvl="1"/>
             <a:r>
-              <a:rPr lang="fr-FR" smtClean="0"/>
+              <a:rPr lang="fr-FR"/>
               <a:t>Deuxième niveau</a:t>
             </a:r>
           </a:p>
           <a:p>
             <a:pPr lvl="2"/>
             <a:r>
-              <a:rPr lang="fr-FR" smtClean="0"/>
+              <a:rPr lang="fr-FR"/>
               <a:t>Troisième niveau</a:t>
             </a:r>
           </a:p>
           <a:p>
             <a:pPr lvl="3"/>
             <a:r>
-              <a:rPr lang="fr-FR" smtClean="0"/>
+              <a:rPr lang="fr-FR"/>
               <a:t>Quatrième niveau</a:t>
             </a:r>
           </a:p>
           <a:p>
             <a:pPr lvl="4"/>
             <a:r>
-              <a:rPr lang="fr-FR" smtClean="0"/>
+              <a:rPr lang="fr-FR"/>
               <a:t>Cinquième niveau</a:t>
             </a:r>
-            <a:endParaRPr lang="fr-FR"/>
           </a:p>
         </p:txBody>
       </p:sp>
@@ -761,7 +758,7 @@
           <a:p>
             <a:fld id="{2ABC686B-68B3-4C91-AEB9-C09836735831}" type="datetimeFigureOut">
               <a:rPr lang="fr-FR" smtClean="0"/>
-              <a:t>29/08/2021</a:t>
+              <a:t>09/07/2023</a:t>
             </a:fld>
             <a:endParaRPr lang="fr-FR"/>
           </a:p>
@@ -864,10 +861,9 @@
           </a:lstStyle>
           <a:p>
             <a:r>
-              <a:rPr lang="fr-FR" smtClean="0"/>
+              <a:rPr lang="fr-FR"/>
               <a:t>Modifiez le style du titre</a:t>
             </a:r>
-            <a:endParaRPr lang="fr-FR"/>
           </a:p>
         </p:txBody>
       </p:sp>
@@ -984,7 +980,7 @@
           <a:p>
             <a:pPr lvl="0"/>
             <a:r>
-              <a:rPr lang="fr-FR" smtClean="0"/>
+              <a:rPr lang="fr-FR"/>
               <a:t>Modifiez les styles du texte du masque</a:t>
             </a:r>
           </a:p>
@@ -1007,7 +1003,7 @@
           <a:p>
             <a:fld id="{2ABC686B-68B3-4C91-AEB9-C09836735831}" type="datetimeFigureOut">
               <a:rPr lang="fr-FR" smtClean="0"/>
-              <a:t>29/08/2021</a:t>
+              <a:t>09/07/2023</a:t>
             </a:fld>
             <a:endParaRPr lang="fr-FR"/>
           </a:p>
@@ -1101,10 +1097,9 @@
           <a:lstStyle/>
           <a:p>
             <a:r>
-              <a:rPr lang="fr-FR" smtClean="0"/>
+              <a:rPr lang="fr-FR"/>
               <a:t>Modifiez le style du titre</a:t>
             </a:r>
-            <a:endParaRPr lang="fr-FR"/>
           </a:p>
         </p:txBody>
       </p:sp>
@@ -1130,38 +1125,37 @@
           <a:p>
             <a:pPr lvl="0"/>
             <a:r>
-              <a:rPr lang="fr-FR" smtClean="0"/>
+              <a:rPr lang="fr-FR"/>
               <a:t>Modifiez les styles du texte du masque</a:t>
             </a:r>
           </a:p>
           <a:p>
             <a:pPr lvl="1"/>
             <a:r>
-              <a:rPr lang="fr-FR" smtClean="0"/>
+              <a:rPr lang="fr-FR"/>
               <a:t>Deuxième niveau</a:t>
             </a:r>
           </a:p>
           <a:p>
             <a:pPr lvl="2"/>
             <a:r>
-              <a:rPr lang="fr-FR" smtClean="0"/>
+              <a:rPr lang="fr-FR"/>
               <a:t>Troisième niveau</a:t>
             </a:r>
           </a:p>
           <a:p>
             <a:pPr lvl="3"/>
             <a:r>
-              <a:rPr lang="fr-FR" smtClean="0"/>
+              <a:rPr lang="fr-FR"/>
               <a:t>Quatrième niveau</a:t>
             </a:r>
           </a:p>
           <a:p>
             <a:pPr lvl="4"/>
             <a:r>
-              <a:rPr lang="fr-FR" smtClean="0"/>
+              <a:rPr lang="fr-FR"/>
               <a:t>Cinquième niveau</a:t>
             </a:r>
-            <a:endParaRPr lang="fr-FR"/>
           </a:p>
         </p:txBody>
       </p:sp>
@@ -1187,38 +1181,37 @@
           <a:p>
             <a:pPr lvl="0"/>
             <a:r>
-              <a:rPr lang="fr-FR" smtClean="0"/>
+              <a:rPr lang="fr-FR"/>
               <a:t>Modifiez les styles du texte du masque</a:t>
             </a:r>
           </a:p>
           <a:p>
             <a:pPr lvl="1"/>
             <a:r>
-              <a:rPr lang="fr-FR" smtClean="0"/>
+              <a:rPr lang="fr-FR"/>
               <a:t>Deuxième niveau</a:t>
             </a:r>
           </a:p>
           <a:p>
             <a:pPr lvl="2"/>
             <a:r>
-              <a:rPr lang="fr-FR" smtClean="0"/>
+              <a:rPr lang="fr-FR"/>
               <a:t>Troisième niveau</a:t>
             </a:r>
           </a:p>
           <a:p>
             <a:pPr lvl="3"/>
             <a:r>
-              <a:rPr lang="fr-FR" smtClean="0"/>
+              <a:rPr lang="fr-FR"/>
               <a:t>Quatrième niveau</a:t>
             </a:r>
           </a:p>
           <a:p>
             <a:pPr lvl="4"/>
             <a:r>
-              <a:rPr lang="fr-FR" smtClean="0"/>
+              <a:rPr lang="fr-FR"/>
               <a:t>Cinquième niveau</a:t>
             </a:r>
-            <a:endParaRPr lang="fr-FR"/>
           </a:p>
         </p:txBody>
       </p:sp>
@@ -1239,7 +1232,7 @@
           <a:p>
             <a:fld id="{2ABC686B-68B3-4C91-AEB9-C09836735831}" type="datetimeFigureOut">
               <a:rPr lang="fr-FR" smtClean="0"/>
-              <a:t>29/08/2021</a:t>
+              <a:t>09/07/2023</a:t>
             </a:fld>
             <a:endParaRPr lang="fr-FR"/>
           </a:p>
@@ -1338,10 +1331,9 @@
           <a:lstStyle/>
           <a:p>
             <a:r>
-              <a:rPr lang="fr-FR" smtClean="0"/>
+              <a:rPr lang="fr-FR"/>
               <a:t>Modifiez le style du titre</a:t>
             </a:r>
-            <a:endParaRPr lang="fr-FR"/>
           </a:p>
         </p:txBody>
       </p:sp>
@@ -1404,7 +1396,7 @@
           <a:p>
             <a:pPr lvl="0"/>
             <a:r>
-              <a:rPr lang="fr-FR" smtClean="0"/>
+              <a:rPr lang="fr-FR"/>
               <a:t>Modifiez les styles du texte du masque</a:t>
             </a:r>
           </a:p>
@@ -1432,38 +1424,37 @@
           <a:p>
             <a:pPr lvl="0"/>
             <a:r>
-              <a:rPr lang="fr-FR" smtClean="0"/>
+              <a:rPr lang="fr-FR"/>
               <a:t>Modifiez les styles du texte du masque</a:t>
             </a:r>
           </a:p>
           <a:p>
             <a:pPr lvl="1"/>
             <a:r>
-              <a:rPr lang="fr-FR" smtClean="0"/>
+              <a:rPr lang="fr-FR"/>
               <a:t>Deuxième niveau</a:t>
             </a:r>
           </a:p>
           <a:p>
             <a:pPr lvl="2"/>
             <a:r>
-              <a:rPr lang="fr-FR" smtClean="0"/>
+              <a:rPr lang="fr-FR"/>
               <a:t>Troisième niveau</a:t>
             </a:r>
           </a:p>
           <a:p>
             <a:pPr lvl="3"/>
             <a:r>
-              <a:rPr lang="fr-FR" smtClean="0"/>
+              <a:rPr lang="fr-FR"/>
               <a:t>Quatrième niveau</a:t>
             </a:r>
           </a:p>
           <a:p>
             <a:pPr lvl="4"/>
             <a:r>
-              <a:rPr lang="fr-FR" smtClean="0"/>
+              <a:rPr lang="fr-FR"/>
               <a:t>Cinquième niveau</a:t>
             </a:r>
-            <a:endParaRPr lang="fr-FR"/>
           </a:p>
         </p:txBody>
       </p:sp>
@@ -1526,7 +1517,7 @@
           <a:p>
             <a:pPr lvl="0"/>
             <a:r>
-              <a:rPr lang="fr-FR" smtClean="0"/>
+              <a:rPr lang="fr-FR"/>
               <a:t>Modifiez les styles du texte du masque</a:t>
             </a:r>
           </a:p>
@@ -1554,38 +1545,37 @@
           <a:p>
             <a:pPr lvl="0"/>
             <a:r>
-              <a:rPr lang="fr-FR" smtClean="0"/>
+              <a:rPr lang="fr-FR"/>
               <a:t>Modifiez les styles du texte du masque</a:t>
             </a:r>
           </a:p>
           <a:p>
             <a:pPr lvl="1"/>
             <a:r>
-              <a:rPr lang="fr-FR" smtClean="0"/>
+              <a:rPr lang="fr-FR"/>
               <a:t>Deuxième niveau</a:t>
             </a:r>
           </a:p>
           <a:p>
             <a:pPr lvl="2"/>
             <a:r>
-              <a:rPr lang="fr-FR" smtClean="0"/>
+              <a:rPr lang="fr-FR"/>
               <a:t>Troisième niveau</a:t>
             </a:r>
           </a:p>
           <a:p>
             <a:pPr lvl="3"/>
             <a:r>
-              <a:rPr lang="fr-FR" smtClean="0"/>
+              <a:rPr lang="fr-FR"/>
               <a:t>Quatrième niveau</a:t>
             </a:r>
           </a:p>
           <a:p>
             <a:pPr lvl="4"/>
             <a:r>
-              <a:rPr lang="fr-FR" smtClean="0"/>
+              <a:rPr lang="fr-FR"/>
               <a:t>Cinquième niveau</a:t>
             </a:r>
-            <a:endParaRPr lang="fr-FR"/>
           </a:p>
         </p:txBody>
       </p:sp>
@@ -1606,7 +1596,7 @@
           <a:p>
             <a:fld id="{2ABC686B-68B3-4C91-AEB9-C09836735831}" type="datetimeFigureOut">
               <a:rPr lang="fr-FR" smtClean="0"/>
-              <a:t>29/08/2021</a:t>
+              <a:t>09/07/2023</a:t>
             </a:fld>
             <a:endParaRPr lang="fr-FR"/>
           </a:p>
@@ -1700,10 +1690,9 @@
           <a:lstStyle/>
           <a:p>
             <a:r>
-              <a:rPr lang="fr-FR" smtClean="0"/>
+              <a:rPr lang="fr-FR"/>
               <a:t>Modifiez le style du titre</a:t>
             </a:r>
-            <a:endParaRPr lang="fr-FR"/>
           </a:p>
         </p:txBody>
       </p:sp>
@@ -1724,7 +1713,7 @@
           <a:p>
             <a:fld id="{2ABC686B-68B3-4C91-AEB9-C09836735831}" type="datetimeFigureOut">
               <a:rPr lang="fr-FR" smtClean="0"/>
-              <a:t>29/08/2021</a:t>
+              <a:t>09/07/2023</a:t>
             </a:fld>
             <a:endParaRPr lang="fr-FR"/>
           </a:p>
@@ -1819,7 +1808,7 @@
           <a:p>
             <a:fld id="{2ABC686B-68B3-4C91-AEB9-C09836735831}" type="datetimeFigureOut">
               <a:rPr lang="fr-FR" smtClean="0"/>
-              <a:t>29/08/2021</a:t>
+              <a:t>09/07/2023</a:t>
             </a:fld>
             <a:endParaRPr lang="fr-FR"/>
           </a:p>
@@ -1922,10 +1911,9 @@
           </a:lstStyle>
           <a:p>
             <a:r>
-              <a:rPr lang="fr-FR" smtClean="0"/>
+              <a:rPr lang="fr-FR"/>
               <a:t>Modifiez le style du titre</a:t>
             </a:r>
-            <a:endParaRPr lang="fr-FR"/>
           </a:p>
         </p:txBody>
       </p:sp>
@@ -1979,38 +1967,37 @@
           <a:p>
             <a:pPr lvl="0"/>
             <a:r>
-              <a:rPr lang="fr-FR" smtClean="0"/>
+              <a:rPr lang="fr-FR"/>
               <a:t>Modifiez les styles du texte du masque</a:t>
             </a:r>
           </a:p>
           <a:p>
             <a:pPr lvl="1"/>
             <a:r>
-              <a:rPr lang="fr-FR" smtClean="0"/>
+              <a:rPr lang="fr-FR"/>
               <a:t>Deuxième niveau</a:t>
             </a:r>
           </a:p>
           <a:p>
             <a:pPr lvl="2"/>
             <a:r>
-              <a:rPr lang="fr-FR" smtClean="0"/>
+              <a:rPr lang="fr-FR"/>
               <a:t>Troisième niveau</a:t>
             </a:r>
           </a:p>
           <a:p>
             <a:pPr lvl="3"/>
             <a:r>
-              <a:rPr lang="fr-FR" smtClean="0"/>
+              <a:rPr lang="fr-FR"/>
               <a:t>Quatrième niveau</a:t>
             </a:r>
           </a:p>
           <a:p>
             <a:pPr lvl="4"/>
             <a:r>
-              <a:rPr lang="fr-FR" smtClean="0"/>
+              <a:rPr lang="fr-FR"/>
               <a:t>Cinquième niveau</a:t>
             </a:r>
-            <a:endParaRPr lang="fr-FR"/>
           </a:p>
         </p:txBody>
       </p:sp>
@@ -2073,7 +2060,7 @@
           <a:p>
             <a:pPr lvl="0"/>
             <a:r>
-              <a:rPr lang="fr-FR" smtClean="0"/>
+              <a:rPr lang="fr-FR"/>
               <a:t>Modifiez les styles du texte du masque</a:t>
             </a:r>
           </a:p>
@@ -2096,7 +2083,7 @@
           <a:p>
             <a:fld id="{2ABC686B-68B3-4C91-AEB9-C09836735831}" type="datetimeFigureOut">
               <a:rPr lang="fr-FR" smtClean="0"/>
-              <a:t>29/08/2021</a:t>
+              <a:t>09/07/2023</a:t>
             </a:fld>
             <a:endParaRPr lang="fr-FR"/>
           </a:p>
@@ -2199,10 +2186,9 @@
           </a:lstStyle>
           <a:p>
             <a:r>
-              <a:rPr lang="fr-FR" smtClean="0"/>
+              <a:rPr lang="fr-FR"/>
               <a:t>Modifiez le style du titre</a:t>
             </a:r>
-            <a:endParaRPr lang="fr-FR"/>
           </a:p>
         </p:txBody>
       </p:sp>
@@ -2326,7 +2312,7 @@
           <a:p>
             <a:pPr lvl="0"/>
             <a:r>
-              <a:rPr lang="fr-FR" smtClean="0"/>
+              <a:rPr lang="fr-FR"/>
               <a:t>Modifiez les styles du texte du masque</a:t>
             </a:r>
           </a:p>
@@ -2349,7 +2335,7 @@
           <a:p>
             <a:fld id="{2ABC686B-68B3-4C91-AEB9-C09836735831}" type="datetimeFigureOut">
               <a:rPr lang="fr-FR" smtClean="0"/>
-              <a:t>29/08/2021</a:t>
+              <a:t>09/07/2023</a:t>
             </a:fld>
             <a:endParaRPr lang="fr-FR"/>
           </a:p>
@@ -2458,10 +2444,9 @@
           <a:lstStyle/>
           <a:p>
             <a:r>
-              <a:rPr lang="fr-FR" smtClean="0"/>
+              <a:rPr lang="fr-FR"/>
               <a:t>Modifiez le style du titre</a:t>
             </a:r>
-            <a:endParaRPr lang="fr-FR"/>
           </a:p>
         </p:txBody>
       </p:sp>
@@ -2492,38 +2477,37 @@
           <a:p>
             <a:pPr lvl="0"/>
             <a:r>
-              <a:rPr lang="fr-FR" smtClean="0"/>
+              <a:rPr lang="fr-FR"/>
               <a:t>Modifiez les styles du texte du masque</a:t>
             </a:r>
           </a:p>
           <a:p>
             <a:pPr lvl="1"/>
             <a:r>
-              <a:rPr lang="fr-FR" smtClean="0"/>
+              <a:rPr lang="fr-FR"/>
               <a:t>Deuxième niveau</a:t>
             </a:r>
           </a:p>
           <a:p>
             <a:pPr lvl="2"/>
             <a:r>
-              <a:rPr lang="fr-FR" smtClean="0"/>
+              <a:rPr lang="fr-FR"/>
               <a:t>Troisième niveau</a:t>
             </a:r>
           </a:p>
           <a:p>
             <a:pPr lvl="3"/>
             <a:r>
-              <a:rPr lang="fr-FR" smtClean="0"/>
+              <a:rPr lang="fr-FR"/>
               <a:t>Quatrième niveau</a:t>
             </a:r>
           </a:p>
           <a:p>
             <a:pPr lvl="4"/>
             <a:r>
-              <a:rPr lang="fr-FR" smtClean="0"/>
+              <a:rPr lang="fr-FR"/>
               <a:t>Cinquième niveau</a:t>
             </a:r>
-            <a:endParaRPr lang="fr-FR"/>
           </a:p>
         </p:txBody>
       </p:sp>
@@ -2562,7 +2546,7 @@
           <a:p>
             <a:fld id="{2ABC686B-68B3-4C91-AEB9-C09836735831}" type="datetimeFigureOut">
               <a:rPr lang="fr-FR" smtClean="0"/>
-              <a:t>29/08/2021</a:t>
+              <a:t>09/07/2023</a:t>
             </a:fld>
             <a:endParaRPr lang="fr-FR"/>
           </a:p>
@@ -2986,7 +2970,7 @@
           <a:p>
             <a:pPr algn="ctr"/>
             <a:r>
-              <a:rPr lang="fr-FR" sz="23900" b="1" smtClean="0">
+              <a:rPr lang="fr-FR" sz="23900" b="1">
                 <a:effectLst>
                   <a:outerShdw blurRad="38100" dist="38100" dir="2700000" algn="tl">
                     <a:srgbClr val="000000">
@@ -3066,8 +3050,8 @@
         </p:nvSpPr>
         <p:spPr>
           <a:xfrm>
-            <a:off x="1524000" y="562610"/>
-            <a:ext cx="9129080" cy="5170646"/>
+            <a:off x="0" y="218057"/>
+            <a:ext cx="12192000" cy="6247864"/>
           </a:xfrm>
           <a:prstGeom prst="rect">
             <a:avLst/>
@@ -3082,7 +3066,7 @@
           <a:p>
             <a:pPr algn="ctr"/>
             <a:r>
-              <a:rPr lang="fr-FR" sz="6600" b="1" dirty="0">
+              <a:rPr lang="fr-FR" sz="8000" b="1" dirty="0">
                 <a:effectLst>
                   <a:outerShdw blurRad="38100" dist="38100" dir="2700000" algn="tl">
                     <a:srgbClr val="000000">
@@ -3094,7 +3078,7 @@
               <a:t>1- </a:t>
             </a:r>
             <a:r>
-              <a:rPr lang="fr-FR" sz="6600" b="1" dirty="0" err="1">
+              <a:rPr lang="fr-FR" sz="8000" b="1" dirty="0" err="1">
                 <a:effectLst>
                   <a:outerShdw blurRad="38100" dist="38100" dir="2700000" algn="tl">
                     <a:srgbClr val="000000">
@@ -3106,7 +3090,7 @@
               <a:t>Jeso</a:t>
             </a:r>
             <a:r>
-              <a:rPr lang="fr-FR" sz="6600" b="1" i="1" dirty="0" err="1">
+              <a:rPr lang="fr-FR" sz="8000" b="1" i="1" dirty="0" err="1">
                 <a:effectLst>
                   <a:outerShdw blurRad="38100" dist="38100" dir="2700000" algn="tl">
                     <a:srgbClr val="000000">
@@ -3118,7 +3102,7 @@
               <a:t>a</a:t>
             </a:r>
             <a:r>
-              <a:rPr lang="fr-FR" sz="6600" b="1" dirty="0">
+              <a:rPr lang="fr-FR" sz="8000" b="1" dirty="0">
                 <a:effectLst>
                   <a:outerShdw blurRad="38100" dist="38100" dir="2700000" algn="tl">
                     <a:srgbClr val="000000">
@@ -3130,7 +3114,7 @@
               <a:t>, </a:t>
             </a:r>
             <a:r>
-              <a:rPr lang="fr-FR" sz="6600" b="1" dirty="0" err="1">
+              <a:rPr lang="fr-FR" sz="8000" b="1" dirty="0" err="1">
                 <a:effectLst>
                   <a:outerShdw blurRad="38100" dist="38100" dir="2700000" algn="tl">
                     <a:srgbClr val="000000">
@@ -3141,7 +3125,7 @@
               </a:rPr>
               <a:t>apetrak’Aminao</a:t>
             </a:r>
-            <a:endParaRPr lang="fr-FR" sz="6600" b="1" dirty="0">
+            <a:endParaRPr lang="fr-FR" sz="8000" b="1" dirty="0">
               <a:effectLst>
                 <a:outerShdw blurRad="38100" dist="38100" dir="2700000" algn="tl">
                   <a:srgbClr val="000000">
@@ -3154,7 +3138,7 @@
           <a:p>
             <a:pPr algn="ctr"/>
             <a:r>
-              <a:rPr lang="fr-FR" sz="6600" b="1" dirty="0" err="1">
+              <a:rPr lang="fr-FR" sz="8000" b="1" dirty="0" err="1">
                 <a:effectLst>
                   <a:outerShdw blurRad="38100" dist="38100" dir="2700000" algn="tl">
                     <a:srgbClr val="000000">
@@ -3166,7 +3150,7 @@
               <a:t>Ny</a:t>
             </a:r>
             <a:r>
-              <a:rPr lang="fr-FR" sz="6600" b="1" dirty="0">
+              <a:rPr lang="fr-FR" sz="8000" b="1" dirty="0">
                 <a:effectLst>
                   <a:outerShdw blurRad="38100" dist="38100" dir="2700000" algn="tl">
                     <a:srgbClr val="000000">
@@ -3178,7 +3162,7 @@
               <a:t> </a:t>
             </a:r>
             <a:r>
-              <a:rPr lang="fr-FR" sz="6600" b="1" dirty="0" err="1">
+              <a:rPr lang="fr-FR" sz="8000" b="1" dirty="0" err="1">
                 <a:effectLst>
                   <a:outerShdw blurRad="38100" dist="38100" dir="2700000" algn="tl">
                     <a:srgbClr val="000000">
@@ -3190,7 +3174,7 @@
               <a:t>fanahiako</a:t>
             </a:r>
             <a:r>
-              <a:rPr lang="fr-FR" sz="6600" b="1" dirty="0">
+              <a:rPr lang="fr-FR" sz="8000" b="1" dirty="0">
                 <a:effectLst>
                   <a:outerShdw blurRad="38100" dist="38100" dir="2700000" algn="tl">
                     <a:srgbClr val="000000">
@@ -3202,7 +3186,7 @@
               <a:t> </a:t>
             </a:r>
             <a:r>
-              <a:rPr lang="fr-FR" sz="6600" b="1" dirty="0" err="1">
+              <a:rPr lang="fr-FR" sz="8000" b="1" dirty="0" err="1">
                 <a:effectLst>
                   <a:outerShdw blurRad="38100" dist="38100" dir="2700000" algn="tl">
                     <a:srgbClr val="000000">
@@ -3214,7 +3198,7 @@
               <a:t>rehetra</a:t>
             </a:r>
             <a:r>
-              <a:rPr lang="fr-FR" sz="6600" b="1" dirty="0">
+              <a:rPr lang="fr-FR" sz="8000" b="1" dirty="0">
                 <a:effectLst>
                   <a:outerShdw blurRad="38100" dist="38100" dir="2700000" algn="tl">
                     <a:srgbClr val="000000">
@@ -3229,7 +3213,7 @@
           <a:p>
             <a:pPr algn="ctr"/>
             <a:r>
-              <a:rPr lang="fr-FR" sz="6600" b="1" dirty="0" err="1">
+              <a:rPr lang="fr-FR" sz="8000" b="1" dirty="0" err="1">
                 <a:effectLst>
                   <a:outerShdw blurRad="38100" dist="38100" dir="2700000" algn="tl">
                     <a:srgbClr val="000000">
@@ -3241,7 +3225,7 @@
               <a:t>Ny</a:t>
             </a:r>
             <a:r>
-              <a:rPr lang="fr-FR" sz="6600" b="1" dirty="0">
+              <a:rPr lang="fr-FR" sz="8000" b="1" dirty="0">
                 <a:effectLst>
                   <a:outerShdw blurRad="38100" dist="38100" dir="2700000" algn="tl">
                     <a:srgbClr val="000000">
@@ -3253,7 +3237,7 @@
               <a:t> asa </a:t>
             </a:r>
             <a:r>
-              <a:rPr lang="fr-FR" sz="6600" b="1" dirty="0" err="1">
+              <a:rPr lang="fr-FR" sz="8000" b="1" dirty="0" err="1">
                 <a:effectLst>
                   <a:outerShdw blurRad="38100" dist="38100" dir="2700000" algn="tl">
                     <a:srgbClr val="000000">
@@ -3265,7 +3249,7 @@
               <a:t>vita</a:t>
             </a:r>
             <a:r>
-              <a:rPr lang="fr-FR" sz="6600" b="1" dirty="0">
+              <a:rPr lang="fr-FR" sz="8000" b="1" dirty="0">
                 <a:effectLst>
                   <a:outerShdw blurRad="38100" dist="38100" dir="2700000" algn="tl">
                     <a:srgbClr val="000000">
@@ -3277,7 +3261,7 @@
               <a:t> </a:t>
             </a:r>
             <a:r>
-              <a:rPr lang="fr-FR" sz="6600" b="1" dirty="0" err="1">
+              <a:rPr lang="fr-FR" sz="8000" b="1" dirty="0" err="1">
                 <a:effectLst>
                   <a:outerShdw blurRad="38100" dist="38100" dir="2700000" algn="tl">
                     <a:srgbClr val="000000">
@@ -3288,7 +3272,7 @@
               </a:rPr>
               <a:t>hatrizao</a:t>
             </a:r>
-            <a:endParaRPr lang="fr-FR" sz="6600" b="1" dirty="0">
+            <a:endParaRPr lang="fr-FR" sz="8000" b="1" dirty="0">
               <a:effectLst>
                 <a:outerShdw blurRad="38100" dist="38100" dir="2700000" algn="tl">
                   <a:srgbClr val="000000">
@@ -3301,7 +3285,7 @@
           <a:p>
             <a:pPr algn="ctr"/>
             <a:r>
-              <a:rPr lang="fr-FR" sz="6600" b="1" dirty="0" err="1">
+              <a:rPr lang="fr-FR" sz="8000" b="1" dirty="0" err="1">
                 <a:effectLst>
                   <a:outerShdw blurRad="38100" dist="38100" dir="2700000" algn="tl">
                     <a:srgbClr val="000000">
@@ -3313,7 +3297,7 @@
               <a:t>Ana</a:t>
             </a:r>
             <a:r>
-              <a:rPr lang="fr-FR" sz="6600" b="1" i="1" dirty="0" err="1">
+              <a:rPr lang="fr-FR" sz="8000" b="1" i="1" dirty="0" err="1">
                 <a:effectLst>
                   <a:outerShdw blurRad="38100" dist="38100" dir="2700000" algn="tl">
                     <a:srgbClr val="000000">
@@ -3325,7 +3309,7 @@
               <a:t>o</a:t>
             </a:r>
             <a:r>
-              <a:rPr lang="fr-FR" sz="6600" b="1" dirty="0">
+              <a:rPr lang="fr-FR" sz="8000" b="1" dirty="0">
                 <a:effectLst>
                   <a:outerShdw blurRad="38100" dist="38100" dir="2700000" algn="tl">
                     <a:srgbClr val="000000">
@@ -3337,7 +3321,7 @@
               <a:t> </a:t>
             </a:r>
             <a:r>
-              <a:rPr lang="fr-FR" sz="6600" b="1" dirty="0" err="1">
+              <a:rPr lang="fr-FR" sz="8000" b="1" dirty="0" err="1">
                 <a:effectLst>
                   <a:outerShdw blurRad="38100" dist="38100" dir="2700000" algn="tl">
                     <a:srgbClr val="000000">
@@ -3349,7 +3333,7 @@
               <a:t>toko</a:t>
             </a:r>
             <a:r>
-              <a:rPr lang="fr-FR" sz="6600" b="1" i="1" dirty="0" err="1">
+              <a:rPr lang="fr-FR" sz="8000" b="1" i="1" dirty="0" err="1">
                 <a:effectLst>
                   <a:outerShdw blurRad="38100" dist="38100" dir="2700000" algn="tl">
                     <a:srgbClr val="000000">
@@ -3361,7 +3345,7 @@
               <a:t>a</a:t>
             </a:r>
             <a:r>
-              <a:rPr lang="fr-FR" sz="6600" b="1" dirty="0">
+              <a:rPr lang="fr-FR" sz="8000" b="1" dirty="0">
                 <a:effectLst>
                   <a:outerShdw blurRad="38100" dist="38100" dir="2700000" algn="tl">
                     <a:srgbClr val="000000">
@@ -3373,7 +3357,7 @@
               <a:t> </a:t>
             </a:r>
             <a:r>
-              <a:rPr lang="fr-FR" sz="6600" b="1" dirty="0" err="1">
+              <a:rPr lang="fr-FR" sz="8000" b="1" dirty="0" err="1">
                 <a:effectLst>
                   <a:outerShdw blurRad="38100" dist="38100" dir="2700000" algn="tl">
                     <a:srgbClr val="000000">
@@ -3385,7 +3369,7 @@
               <a:t>tsy</a:t>
             </a:r>
             <a:r>
-              <a:rPr lang="fr-FR" sz="6600" b="1" dirty="0">
+              <a:rPr lang="fr-FR" sz="8000" b="1" dirty="0">
                 <a:effectLst>
                   <a:outerShdw blurRad="38100" dist="38100" dir="2700000" algn="tl">
                     <a:srgbClr val="000000">
@@ -3397,7 +3381,7 @@
               <a:t> </a:t>
             </a:r>
             <a:r>
-              <a:rPr lang="fr-FR" sz="6600" b="1" dirty="0" err="1">
+              <a:rPr lang="fr-FR" sz="8000" b="1" dirty="0" err="1">
                 <a:effectLst>
                   <a:outerShdw blurRad="38100" dist="38100" dir="2700000" algn="tl">
                     <a:srgbClr val="000000">
@@ -3409,7 +3393,7 @@
               <a:t>misy</a:t>
             </a:r>
             <a:r>
-              <a:rPr lang="fr-FR" sz="6600" b="1" dirty="0">
+              <a:rPr lang="fr-FR" sz="8000" b="1" dirty="0">
                 <a:effectLst>
                   <a:outerShdw blurRad="38100" dist="38100" dir="2700000" algn="tl">
                     <a:srgbClr val="000000">
@@ -3421,7 +3405,7 @@
               <a:t> </a:t>
             </a:r>
             <a:r>
-              <a:rPr lang="fr-FR" sz="6600" b="1" dirty="0" err="1">
+              <a:rPr lang="fr-FR" sz="8000" b="1" dirty="0" err="1">
                 <a:effectLst>
                   <a:outerShdw blurRad="38100" dist="38100" dir="2700000" algn="tl">
                     <a:srgbClr val="000000">
@@ -3432,7 +3416,7 @@
               </a:rPr>
               <a:t>fetra</a:t>
             </a:r>
-            <a:endParaRPr lang="fr-FR" sz="6600" b="1" dirty="0">
+            <a:endParaRPr lang="fr-FR" sz="8000" b="1" dirty="0">
               <a:effectLst>
                 <a:outerShdw blurRad="38100" dist="38100" dir="2700000" algn="tl">
                   <a:srgbClr val="000000">
@@ -3445,7 +3429,7 @@
           <a:p>
             <a:pPr algn="ctr"/>
             <a:r>
-              <a:rPr lang="fr-FR" sz="6600" b="1" dirty="0" err="1">
+              <a:rPr lang="fr-FR" sz="8000" b="1" dirty="0" err="1">
                 <a:effectLst>
                   <a:outerShdw blurRad="38100" dist="38100" dir="2700000" algn="tl">
                     <a:srgbClr val="000000">
@@ -3457,7 +3441,7 @@
               <a:t>Jeso</a:t>
             </a:r>
             <a:r>
-              <a:rPr lang="fr-FR" sz="6600" b="1" i="1" dirty="0" err="1">
+              <a:rPr lang="fr-FR" sz="8000" b="1" i="1" dirty="0" err="1">
                 <a:effectLst>
                   <a:outerShdw blurRad="38100" dist="38100" dir="2700000" algn="tl">
                     <a:srgbClr val="000000">
@@ -3469,7 +3453,7 @@
               <a:t>a</a:t>
             </a:r>
             <a:r>
-              <a:rPr lang="fr-FR" sz="6600" b="1" dirty="0">
+              <a:rPr lang="fr-FR" sz="8000" b="1" dirty="0">
                 <a:effectLst>
                   <a:outerShdw blurRad="38100" dist="38100" dir="2700000" algn="tl">
                     <a:srgbClr val="000000">
@@ -3481,7 +3465,7 @@
               <a:t>, </a:t>
             </a:r>
             <a:r>
-              <a:rPr lang="fr-FR" sz="6600" b="1" dirty="0" err="1">
+              <a:rPr lang="fr-FR" sz="8000" b="1" dirty="0" err="1">
                 <a:effectLst>
                   <a:outerShdw blurRad="38100" dist="38100" dir="2700000" algn="tl">
                     <a:srgbClr val="000000">
@@ -3492,7 +3476,7 @@
               </a:rPr>
               <a:t>apetrak’Aminao</a:t>
             </a:r>
-            <a:endParaRPr lang="fr-FR" sz="6600" b="1" dirty="0">
+            <a:endParaRPr lang="fr-FR" sz="8000" b="1" dirty="0">
               <a:effectLst>
                 <a:outerShdw blurRad="38100" dist="38100" dir="2700000" algn="tl">
                   <a:srgbClr val="000000">
@@ -3514,21 +3498,6 @@
   <p:clrMapOvr>
     <a:masterClrMapping/>
   </p:clrMapOvr>
-  <mc:AlternateContent xmlns:mc="http://schemas.openxmlformats.org/markup-compatibility/2006">
-    <mc:Choice xmlns:p14="http://schemas.microsoft.com/office/powerpoint/2010/main" Requires="p14">
-      <p:transition p14:dur="0"/>
-    </mc:Choice>
-    <mc:Fallback>
-      <p:transition/>
-    </mc:Fallback>
-  </mc:AlternateContent>
-  <p:timing>
-    <p:tnLst>
-      <p:par>
-        <p:cTn id="1" dur="indefinite" restart="never" nodeType="tmRoot"/>
-      </p:par>
-    </p:tnLst>
-  </p:timing>
 </p:sld>
 </file>
 
@@ -3557,8 +3526,8 @@
         </p:nvSpPr>
         <p:spPr>
           <a:xfrm>
-            <a:off x="1524000" y="188641"/>
-            <a:ext cx="9144000" cy="6186309"/>
+            <a:off x="1" y="188641"/>
+            <a:ext cx="12192000" cy="6247864"/>
           </a:xfrm>
           <a:prstGeom prst="rect">
             <a:avLst/>
@@ -3573,7 +3542,7 @@
           <a:p>
             <a:pPr algn="ctr"/>
             <a:r>
-              <a:rPr lang="fr-FR" sz="6600" b="1" dirty="0">
+              <a:rPr lang="fr-FR" sz="8000" b="1" dirty="0">
                 <a:effectLst>
                   <a:outerShdw blurRad="38100" dist="38100" dir="2700000" algn="tl">
                     <a:srgbClr val="000000">
@@ -3585,7 +3554,7 @@
               <a:t>2- </a:t>
             </a:r>
             <a:r>
-              <a:rPr lang="fr-FR" sz="6600" b="1" dirty="0" err="1">
+              <a:rPr lang="fr-FR" sz="8000" b="1" dirty="0" err="1">
                 <a:effectLst>
                   <a:outerShdw blurRad="38100" dist="38100" dir="2700000" algn="tl">
                     <a:srgbClr val="000000">
@@ -3597,7 +3566,7 @@
               <a:t>Jeso</a:t>
             </a:r>
             <a:r>
-              <a:rPr lang="fr-FR" sz="6600" b="1" i="1" dirty="0" err="1">
+              <a:rPr lang="fr-FR" sz="8000" b="1" i="1" dirty="0" err="1">
                 <a:effectLst>
                   <a:outerShdw blurRad="38100" dist="38100" dir="2700000" algn="tl">
                     <a:srgbClr val="000000">
@@ -3609,7 +3578,7 @@
               <a:t>a</a:t>
             </a:r>
             <a:r>
-              <a:rPr lang="fr-FR" sz="6600" b="1" dirty="0">
+              <a:rPr lang="fr-FR" sz="8000" b="1" dirty="0">
                 <a:effectLst>
                   <a:outerShdw blurRad="38100" dist="38100" dir="2700000" algn="tl">
                     <a:srgbClr val="000000">
@@ -3621,7 +3590,7 @@
               <a:t>, </a:t>
             </a:r>
             <a:r>
-              <a:rPr lang="fr-FR" sz="6600" b="1" dirty="0" err="1">
+              <a:rPr lang="fr-FR" sz="8000" b="1" dirty="0" err="1">
                 <a:effectLst>
                   <a:outerShdw blurRad="38100" dist="38100" dir="2700000" algn="tl">
                     <a:srgbClr val="000000">
@@ -3632,7 +3601,7 @@
               </a:rPr>
               <a:t>apetrak’Aminao</a:t>
             </a:r>
-            <a:endParaRPr lang="fr-FR" sz="6600" b="1" dirty="0">
+            <a:endParaRPr lang="fr-FR" sz="8000" b="1" dirty="0">
               <a:effectLst>
                 <a:outerShdw blurRad="38100" dist="38100" dir="2700000" algn="tl">
                   <a:srgbClr val="000000">
@@ -3645,7 +3614,7 @@
           <a:p>
             <a:pPr algn="ctr"/>
             <a:r>
-              <a:rPr lang="fr-FR" sz="6600" b="1" dirty="0" err="1">
+              <a:rPr lang="fr-FR" sz="8000" b="1" dirty="0" err="1">
                 <a:effectLst>
                   <a:outerShdw blurRad="38100" dist="38100" dir="2700000" algn="tl">
                     <a:srgbClr val="000000">
@@ -3657,7 +3626,7 @@
               <a:t>Ny</a:t>
             </a:r>
             <a:r>
-              <a:rPr lang="fr-FR" sz="6600" b="1" dirty="0">
+              <a:rPr lang="fr-FR" sz="8000" b="1" dirty="0">
                 <a:effectLst>
                   <a:outerShdw blurRad="38100" dist="38100" dir="2700000" algn="tl">
                     <a:srgbClr val="000000">
@@ -3669,7 +3638,7 @@
               <a:t> asa </a:t>
             </a:r>
             <a:r>
-              <a:rPr lang="fr-FR" sz="6600" b="1" dirty="0" err="1">
+              <a:rPr lang="fr-FR" sz="8000" b="1" dirty="0" err="1">
                 <a:effectLst>
                   <a:outerShdw blurRad="38100" dist="38100" dir="2700000" algn="tl">
                     <a:srgbClr val="000000">
@@ -3681,7 +3650,7 @@
               <a:t>fikelezan’aina</a:t>
             </a:r>
             <a:r>
-              <a:rPr lang="fr-FR" sz="6600" b="1" dirty="0">
+              <a:rPr lang="fr-FR" sz="8000" b="1" dirty="0">
                 <a:effectLst>
                   <a:outerShdw blurRad="38100" dist="38100" dir="2700000" algn="tl">
                     <a:srgbClr val="000000">
@@ -3696,7 +3665,7 @@
           <a:p>
             <a:pPr algn="ctr"/>
             <a:r>
-              <a:rPr lang="fr-FR" sz="6600" b="1" dirty="0" err="1">
+              <a:rPr lang="fr-FR" sz="8000" b="1" dirty="0" err="1">
                 <a:effectLst>
                   <a:outerShdw blurRad="38100" dist="38100" dir="2700000" algn="tl">
                     <a:srgbClr val="000000">
@@ -3708,7 +3677,7 @@
               <a:t>Tsy</a:t>
             </a:r>
             <a:r>
-              <a:rPr lang="fr-FR" sz="6600" b="1" dirty="0">
+              <a:rPr lang="fr-FR" sz="8000" b="1" dirty="0">
                 <a:effectLst>
                   <a:outerShdw blurRad="38100" dist="38100" dir="2700000" algn="tl">
                     <a:srgbClr val="000000">
@@ -3720,7 +3689,7 @@
               <a:t> </a:t>
             </a:r>
             <a:r>
-              <a:rPr lang="fr-FR" sz="6600" b="1" dirty="0" err="1">
+              <a:rPr lang="fr-FR" sz="8000" b="1" dirty="0" err="1">
                 <a:effectLst>
                   <a:outerShdw blurRad="38100" dist="38100" dir="2700000" algn="tl">
                     <a:srgbClr val="000000">
@@ -3732,7 +3701,7 @@
               <a:t>misy</a:t>
             </a:r>
             <a:r>
-              <a:rPr lang="fr-FR" sz="6600" b="1" dirty="0">
+              <a:rPr lang="fr-FR" sz="8000" b="1" dirty="0">
                 <a:effectLst>
                   <a:outerShdw blurRad="38100" dist="38100" dir="2700000" algn="tl">
                     <a:srgbClr val="000000">
@@ -3744,7 +3713,7 @@
               <a:t> </a:t>
             </a:r>
             <a:r>
-              <a:rPr lang="fr-FR" sz="6600" b="1" dirty="0" err="1">
+              <a:rPr lang="fr-FR" sz="8000" b="1" dirty="0" err="1">
                 <a:effectLst>
                   <a:outerShdw blurRad="38100" dist="38100" dir="2700000" algn="tl">
                     <a:srgbClr val="000000">
@@ -3756,7 +3725,7 @@
               <a:t>miafin</a:t>
             </a:r>
             <a:r>
-              <a:rPr lang="fr-FR" sz="6600" b="1" i="1" dirty="0" err="1">
+              <a:rPr lang="fr-FR" sz="8000" b="1" i="1" dirty="0" err="1">
                 <a:effectLst>
                   <a:outerShdw blurRad="38100" dist="38100" dir="2700000" algn="tl">
                     <a:srgbClr val="000000">
@@ -3768,7 +3737,7 @@
               <a:t>a</a:t>
             </a:r>
             <a:r>
-              <a:rPr lang="fr-FR" sz="6600" b="1" dirty="0">
+              <a:rPr lang="fr-FR" sz="8000" b="1" dirty="0">
                 <a:effectLst>
                   <a:outerShdw blurRad="38100" dist="38100" dir="2700000" algn="tl">
                     <a:srgbClr val="000000">
@@ -3780,7 +3749,7 @@
               <a:t> </a:t>
             </a:r>
             <a:r>
-              <a:rPr lang="fr-FR" sz="6600" b="1" dirty="0" err="1">
+              <a:rPr lang="fr-FR" sz="8000" b="1" dirty="0" err="1">
                 <a:effectLst>
                   <a:outerShdw blurRad="38100" dist="38100" dir="2700000" algn="tl">
                     <a:srgbClr val="000000">
@@ -3791,7 +3760,7 @@
               </a:rPr>
               <a:t>Aminao</a:t>
             </a:r>
-            <a:endParaRPr lang="fr-FR" sz="6600" b="1" dirty="0">
+            <a:endParaRPr lang="fr-FR" sz="8000" b="1" dirty="0">
               <a:effectLst>
                 <a:outerShdw blurRad="38100" dist="38100" dir="2700000" algn="tl">
                   <a:srgbClr val="000000">
@@ -3804,7 +3773,7 @@
           <a:p>
             <a:pPr algn="ctr"/>
             <a:r>
-              <a:rPr lang="fr-FR" sz="6600" b="1" dirty="0" err="1">
+              <a:rPr lang="fr-FR" sz="8000" b="1" dirty="0" err="1">
                 <a:effectLst>
                   <a:outerShdw blurRad="38100" dist="38100" dir="2700000" algn="tl">
                     <a:srgbClr val="000000">
@@ -3816,7 +3785,7 @@
               <a:t>Ny</a:t>
             </a:r>
             <a:r>
-              <a:rPr lang="fr-FR" sz="6600" b="1" dirty="0">
+              <a:rPr lang="fr-FR" sz="8000" b="1" dirty="0">
                 <a:effectLst>
                   <a:outerShdw blurRad="38100" dist="38100" dir="2700000" algn="tl">
                     <a:srgbClr val="000000">
@@ -3828,7 +3797,7 @@
               <a:t> </a:t>
             </a:r>
             <a:r>
-              <a:rPr lang="fr-FR" sz="6600" b="1" dirty="0" err="1">
+              <a:rPr lang="fr-FR" sz="8000" b="1" dirty="0" err="1">
                 <a:effectLst>
                   <a:outerShdw blurRad="38100" dist="38100" dir="2700000" algn="tl">
                     <a:srgbClr val="000000">
@@ -3840,7 +3809,7 @@
               <a:t>hetaheta</a:t>
             </a:r>
             <a:r>
-              <a:rPr lang="fr-FR" sz="6600" b="1" dirty="0">
+              <a:rPr lang="fr-FR" sz="8000" b="1" dirty="0">
                 <a:effectLst>
                   <a:outerShdw blurRad="38100" dist="38100" dir="2700000" algn="tl">
                     <a:srgbClr val="000000">
@@ -3852,7 +3821,7 @@
               <a:t> </a:t>
             </a:r>
             <a:r>
-              <a:rPr lang="fr-FR" sz="6600" b="1" dirty="0" err="1">
+              <a:rPr lang="fr-FR" sz="8000" b="1" dirty="0" err="1">
                 <a:effectLst>
                   <a:outerShdw blurRad="38100" dist="38100" dir="2700000" algn="tl">
                     <a:srgbClr val="000000">
@@ -3864,7 +3833,7 @@
               <a:t>ts</a:t>
             </a:r>
             <a:r>
-              <a:rPr lang="fr-FR" sz="6600" b="1" i="1" dirty="0" err="1">
+              <a:rPr lang="fr-FR" sz="8000" b="1" i="1" dirty="0" err="1">
                 <a:effectLst>
                   <a:outerShdw blurRad="38100" dist="38100" dir="2700000" algn="tl">
                     <a:srgbClr val="000000">
@@ -3876,7 +3845,7 @@
               <a:t>y</a:t>
             </a:r>
             <a:r>
-              <a:rPr lang="fr-FR" sz="6600" b="1" i="1" dirty="0">
+              <a:rPr lang="fr-FR" sz="8000" b="1" i="1" dirty="0">
                 <a:effectLst>
                   <a:outerShdw blurRad="38100" dist="38100" dir="2700000" algn="tl">
                     <a:srgbClr val="000000">
@@ -3888,7 +3857,7 @@
               <a:t> </a:t>
             </a:r>
             <a:r>
-              <a:rPr lang="fr-FR" sz="6600" b="1" i="1" dirty="0" err="1">
+              <a:rPr lang="fr-FR" sz="8000" b="1" i="1" dirty="0" err="1">
                 <a:effectLst>
                   <a:outerShdw blurRad="38100" dist="38100" dir="2700000" algn="tl">
                     <a:srgbClr val="000000">
@@ -3900,7 +3869,7 @@
               <a:t>hay</a:t>
             </a:r>
             <a:r>
-              <a:rPr lang="fr-FR" sz="6600" b="1" dirty="0">
+              <a:rPr lang="fr-FR" sz="8000" b="1" dirty="0">
                 <a:effectLst>
                   <a:outerShdw blurRad="38100" dist="38100" dir="2700000" algn="tl">
                     <a:srgbClr val="000000">
@@ -3912,7 +3881,7 @@
               <a:t> </a:t>
             </a:r>
             <a:r>
-              <a:rPr lang="fr-FR" sz="6600" b="1" dirty="0" err="1">
+              <a:rPr lang="fr-FR" sz="8000" b="1" dirty="0" err="1">
                 <a:effectLst>
                   <a:outerShdw blurRad="38100" dist="38100" dir="2700000" algn="tl">
                     <a:srgbClr val="000000">
@@ -3923,7 +3892,7 @@
               </a:rPr>
               <a:t>lazaina</a:t>
             </a:r>
-            <a:endParaRPr lang="fr-FR" sz="6600" b="1" dirty="0">
+            <a:endParaRPr lang="fr-FR" sz="8000" b="1" dirty="0">
               <a:effectLst>
                 <a:outerShdw blurRad="38100" dist="38100" dir="2700000" algn="tl">
                   <a:srgbClr val="000000">
@@ -3936,7 +3905,7 @@
           <a:p>
             <a:pPr algn="ctr"/>
             <a:r>
-              <a:rPr lang="fr-FR" sz="6600" b="1" dirty="0" err="1">
+              <a:rPr lang="fr-FR" sz="8000" b="1" dirty="0" err="1">
                 <a:effectLst>
                   <a:outerShdw blurRad="38100" dist="38100" dir="2700000" algn="tl">
                     <a:srgbClr val="000000">
@@ -3948,7 +3917,7 @@
               <a:t>Jeso</a:t>
             </a:r>
             <a:r>
-              <a:rPr lang="fr-FR" sz="6600" b="1" i="1" dirty="0" err="1">
+              <a:rPr lang="fr-FR" sz="8000" b="1" i="1" dirty="0" err="1">
                 <a:effectLst>
                   <a:outerShdw blurRad="38100" dist="38100" dir="2700000" algn="tl">
                     <a:srgbClr val="000000">
@@ -3960,7 +3929,7 @@
               <a:t>a</a:t>
             </a:r>
             <a:r>
-              <a:rPr lang="fr-FR" sz="6600" b="1" dirty="0">
+              <a:rPr lang="fr-FR" sz="8000" b="1" dirty="0">
                 <a:effectLst>
                   <a:outerShdw blurRad="38100" dist="38100" dir="2700000" algn="tl">
                     <a:srgbClr val="000000">
@@ -3972,7 +3941,7 @@
               <a:t>, </a:t>
             </a:r>
             <a:r>
-              <a:rPr lang="fr-FR" sz="6600" b="1" dirty="0" err="1">
+              <a:rPr lang="fr-FR" sz="8000" b="1" dirty="0" err="1">
                 <a:effectLst>
                   <a:outerShdw blurRad="38100" dist="38100" dir="2700000" algn="tl">
                     <a:srgbClr val="000000">
@@ -3983,7 +3952,7 @@
               </a:rPr>
               <a:t>apetrak’Aminao</a:t>
             </a:r>
-            <a:endParaRPr lang="fr-FR" sz="6600" b="1" dirty="0">
+            <a:endParaRPr lang="fr-FR" sz="8000" b="1" dirty="0">
               <a:effectLst>
                 <a:outerShdw blurRad="38100" dist="38100" dir="2700000" algn="tl">
                   <a:srgbClr val="000000">
@@ -4008,13 +3977,6 @@
   <p:transition spd="slow">
     <p:randomBar dir="vert"/>
   </p:transition>
-  <p:timing>
-    <p:tnLst>
-      <p:par>
-        <p:cTn id="1" dur="indefinite" restart="never" nodeType="tmRoot"/>
-      </p:par>
-    </p:tnLst>
-  </p:timing>
 </p:sld>
 </file>
 
@@ -4043,8 +4005,8 @@
         </p:nvSpPr>
         <p:spPr>
           <a:xfrm>
-            <a:off x="1524000" y="562610"/>
-            <a:ext cx="9144000" cy="5170646"/>
+            <a:off x="0" y="178301"/>
+            <a:ext cx="12192000" cy="6247864"/>
           </a:xfrm>
           <a:prstGeom prst="rect">
             <a:avLst/>
@@ -4059,7 +4021,7 @@
           <a:p>
             <a:pPr algn="ctr"/>
             <a:r>
-              <a:rPr lang="fr-FR" sz="6600" b="1" dirty="0">
+              <a:rPr lang="fr-FR" sz="8000" b="1" dirty="0">
                 <a:effectLst>
                   <a:outerShdw blurRad="38100" dist="38100" dir="2700000" algn="tl">
                     <a:srgbClr val="000000">
@@ -4071,7 +4033,7 @@
               <a:t>3- </a:t>
             </a:r>
             <a:r>
-              <a:rPr lang="fr-FR" sz="6600" b="1" dirty="0" err="1">
+              <a:rPr lang="fr-FR" sz="8000" b="1" dirty="0" err="1">
                 <a:effectLst>
                   <a:outerShdw blurRad="38100" dist="38100" dir="2700000" algn="tl">
                     <a:srgbClr val="000000">
@@ -4083,7 +4045,7 @@
               <a:t>Jeso</a:t>
             </a:r>
             <a:r>
-              <a:rPr lang="fr-FR" sz="6600" b="1" i="1" dirty="0" err="1">
+              <a:rPr lang="fr-FR" sz="8000" b="1" i="1" dirty="0" err="1">
                 <a:effectLst>
                   <a:outerShdw blurRad="38100" dist="38100" dir="2700000" algn="tl">
                     <a:srgbClr val="000000">
@@ -4095,7 +4057,7 @@
               <a:t>a</a:t>
             </a:r>
             <a:r>
-              <a:rPr lang="fr-FR" sz="6600" b="1" dirty="0">
+              <a:rPr lang="fr-FR" sz="8000" b="1" dirty="0">
                 <a:effectLst>
                   <a:outerShdw blurRad="38100" dist="38100" dir="2700000" algn="tl">
                     <a:srgbClr val="000000">
@@ -4107,7 +4069,7 @@
               <a:t>, </a:t>
             </a:r>
             <a:r>
-              <a:rPr lang="fr-FR" sz="6600" b="1" dirty="0" err="1">
+              <a:rPr lang="fr-FR" sz="8000" b="1" dirty="0" err="1">
                 <a:effectLst>
                   <a:outerShdw blurRad="38100" dist="38100" dir="2700000" algn="tl">
                     <a:srgbClr val="000000">
@@ -4118,7 +4080,7 @@
               </a:rPr>
               <a:t>apetrak’Aminao</a:t>
             </a:r>
-            <a:endParaRPr lang="fr-FR" sz="6600" b="1" dirty="0">
+            <a:endParaRPr lang="fr-FR" sz="8000" b="1" dirty="0">
               <a:effectLst>
                 <a:outerShdw blurRad="38100" dist="38100" dir="2700000" algn="tl">
                   <a:srgbClr val="000000">
@@ -4131,7 +4093,7 @@
           <a:p>
             <a:pPr algn="ctr"/>
             <a:r>
-              <a:rPr lang="fr-FR" sz="6600" b="1" dirty="0" err="1">
+              <a:rPr lang="fr-FR" sz="8000" b="1" dirty="0" err="1">
                 <a:effectLst>
                   <a:outerShdw blurRad="38100" dist="38100" dir="2700000" algn="tl">
                     <a:srgbClr val="000000">
@@ -4143,7 +4105,7 @@
               <a:t>Ny</a:t>
             </a:r>
             <a:r>
-              <a:rPr lang="fr-FR" sz="6600" b="1" dirty="0">
+              <a:rPr lang="fr-FR" sz="8000" b="1" dirty="0">
                 <a:effectLst>
                   <a:outerShdw blurRad="38100" dist="38100" dir="2700000" algn="tl">
                     <a:srgbClr val="000000">
@@ -4155,7 +4117,7 @@
               <a:t> </a:t>
             </a:r>
             <a:r>
-              <a:rPr lang="fr-FR" sz="6600" b="1" dirty="0" err="1">
+              <a:rPr lang="fr-FR" sz="8000" b="1" dirty="0" err="1">
                 <a:effectLst>
                   <a:outerShdw blurRad="38100" dist="38100" dir="2700000" algn="tl">
                     <a:srgbClr val="000000">
@@ -4167,7 +4129,7 @@
               <a:t>toky</a:t>
             </a:r>
             <a:r>
-              <a:rPr lang="fr-FR" sz="6600" b="1" dirty="0">
+              <a:rPr lang="fr-FR" sz="8000" b="1" dirty="0">
                 <a:effectLst>
                   <a:outerShdw blurRad="38100" dist="38100" dir="2700000" algn="tl">
                     <a:srgbClr val="000000">
@@ -4179,7 +4141,7 @@
               <a:t> </a:t>
             </a:r>
             <a:r>
-              <a:rPr lang="fr-FR" sz="6600" b="1" dirty="0" err="1">
+              <a:rPr lang="fr-FR" sz="8000" b="1" dirty="0" err="1">
                 <a:effectLst>
                   <a:outerShdw blurRad="38100" dist="38100" dir="2700000" algn="tl">
                     <a:srgbClr val="000000">
@@ -4191,7 +4153,7 @@
               <a:t>sy</a:t>
             </a:r>
             <a:r>
-              <a:rPr lang="fr-FR" sz="6600" b="1" dirty="0">
+              <a:rPr lang="fr-FR" sz="8000" b="1" dirty="0">
                 <a:effectLst>
                   <a:outerShdw blurRad="38100" dist="38100" dir="2700000" algn="tl">
                     <a:srgbClr val="000000">
@@ -4203,7 +4165,7 @@
               <a:t> </a:t>
             </a:r>
             <a:r>
-              <a:rPr lang="fr-FR" sz="6600" b="1" dirty="0" err="1">
+              <a:rPr lang="fr-FR" sz="8000" b="1" dirty="0" err="1">
                 <a:effectLst>
                   <a:outerShdw blurRad="38100" dist="38100" dir="2700000" algn="tl">
                     <a:srgbClr val="000000">
@@ -4214,7 +4176,7 @@
               </a:rPr>
               <a:t>fanantenana</a:t>
             </a:r>
-            <a:endParaRPr lang="fr-FR" sz="6600" b="1" dirty="0">
+            <a:endParaRPr lang="fr-FR" sz="8000" b="1" dirty="0">
               <a:effectLst>
                 <a:outerShdw blurRad="38100" dist="38100" dir="2700000" algn="tl">
                   <a:srgbClr val="000000">
@@ -4227,7 +4189,7 @@
           <a:p>
             <a:pPr algn="ctr"/>
             <a:r>
-              <a:rPr lang="fr-FR" sz="6600" b="1" dirty="0" err="1">
+              <a:rPr lang="fr-FR" sz="8000" b="1" dirty="0" err="1">
                 <a:effectLst>
                   <a:outerShdw blurRad="38100" dist="38100" dir="2700000" algn="tl">
                     <a:srgbClr val="000000">
@@ -4239,7 +4201,7 @@
               <a:t>Ny</a:t>
             </a:r>
             <a:r>
-              <a:rPr lang="fr-FR" sz="6600" b="1" dirty="0">
+              <a:rPr lang="fr-FR" sz="8000" b="1" dirty="0">
                 <a:effectLst>
                   <a:outerShdw blurRad="38100" dist="38100" dir="2700000" algn="tl">
                     <a:srgbClr val="000000">
@@ -4251,7 +4213,7 @@
               <a:t> </a:t>
             </a:r>
             <a:r>
-              <a:rPr lang="fr-FR" sz="6600" b="1" dirty="0" err="1">
+              <a:rPr lang="fr-FR" sz="8000" b="1" dirty="0" err="1">
                 <a:effectLst>
                   <a:outerShdw blurRad="38100" dist="38100" dir="2700000" algn="tl">
                     <a:srgbClr val="000000">
@@ -4263,7 +4225,7 @@
               <a:t>sitraka</a:t>
             </a:r>
             <a:r>
-              <a:rPr lang="fr-FR" sz="6600" b="1" i="1" dirty="0" err="1">
+              <a:rPr lang="fr-FR" sz="8000" b="1" i="1" dirty="0" err="1">
                 <a:effectLst>
                   <a:outerShdw blurRad="38100" dist="38100" dir="2700000" algn="tl">
                     <a:srgbClr val="000000">
@@ -4275,7 +4237,7 @@
               <a:t>o</a:t>
             </a:r>
             <a:r>
-              <a:rPr lang="fr-FR" sz="6600" b="1" dirty="0">
+              <a:rPr lang="fr-FR" sz="8000" b="1" dirty="0">
                 <a:effectLst>
                   <a:outerShdw blurRad="38100" dist="38100" dir="2700000" algn="tl">
                     <a:srgbClr val="000000">
@@ -4287,7 +4249,7 @@
               <a:t> no </a:t>
             </a:r>
             <a:r>
-              <a:rPr lang="fr-FR" sz="6600" b="1" dirty="0" err="1">
+              <a:rPr lang="fr-FR" sz="8000" b="1" dirty="0" err="1">
                 <a:effectLst>
                   <a:outerShdw blurRad="38100" dist="38100" dir="2700000" algn="tl">
                     <a:srgbClr val="000000">
@@ -4299,7 +4261,7 @@
               <a:t>a</a:t>
             </a:r>
             <a:r>
-              <a:rPr lang="fr-FR" sz="6600" b="1" i="1" dirty="0" err="1">
+              <a:rPr lang="fr-FR" sz="8000" b="1" i="1" dirty="0" err="1">
                 <a:effectLst>
                   <a:outerShdw blurRad="38100" dist="38100" dir="2700000" algn="tl">
                     <a:srgbClr val="000000">
@@ -4311,7 +4273,7 @@
               <a:t>o</a:t>
             </a:r>
             <a:r>
-              <a:rPr lang="fr-FR" sz="6600" b="1" dirty="0" err="1">
+              <a:rPr lang="fr-FR" sz="8000" b="1" dirty="0" err="1">
                 <a:effectLst>
                   <a:outerShdw blurRad="38100" dist="38100" dir="2700000" algn="tl">
                     <a:srgbClr val="000000">
@@ -4323,7 +4285,7 @@
               <a:t>ka</a:t>
             </a:r>
             <a:r>
-              <a:rPr lang="fr-FR" sz="6600" b="1" dirty="0">
+              <a:rPr lang="fr-FR" sz="8000" b="1" dirty="0">
                 <a:effectLst>
                   <a:outerShdw blurRad="38100" dist="38100" dir="2700000" algn="tl">
                     <a:srgbClr val="000000">
@@ -4335,7 +4297,7 @@
               <a:t> </a:t>
             </a:r>
             <a:r>
-              <a:rPr lang="fr-FR" sz="6600" b="1" dirty="0" err="1">
+              <a:rPr lang="fr-FR" sz="8000" b="1" dirty="0" err="1">
                 <a:effectLst>
                   <a:outerShdw blurRad="38100" dist="38100" dir="2700000" algn="tl">
                     <a:srgbClr val="000000">
@@ -4346,7 +4308,7 @@
               </a:rPr>
               <a:t>atao</a:t>
             </a:r>
-            <a:endParaRPr lang="fr-FR" sz="6600" b="1" dirty="0">
+            <a:endParaRPr lang="fr-FR" sz="8000" b="1" dirty="0">
               <a:effectLst>
                 <a:outerShdw blurRad="38100" dist="38100" dir="2700000" algn="tl">
                   <a:srgbClr val="000000">
@@ -4359,7 +4321,7 @@
           <a:p>
             <a:pPr algn="ctr"/>
             <a:r>
-              <a:rPr lang="fr-FR" sz="6600" b="1" dirty="0">
+              <a:rPr lang="fr-FR" sz="8000" b="1" dirty="0">
                 <a:effectLst>
                   <a:outerShdw blurRad="38100" dist="38100" dir="2700000" algn="tl">
                     <a:srgbClr val="000000">
@@ -4371,7 +4333,7 @@
               <a:t>Na </a:t>
             </a:r>
             <a:r>
-              <a:rPr lang="fr-FR" sz="6600" b="1" dirty="0" err="1">
+              <a:rPr lang="fr-FR" sz="8000" b="1" dirty="0" err="1">
                 <a:effectLst>
                   <a:outerShdw blurRad="38100" dist="38100" dir="2700000" algn="tl">
                     <a:srgbClr val="000000">
@@ -4383,7 +4345,7 @@
               <a:t>a</a:t>
             </a:r>
             <a:r>
-              <a:rPr lang="fr-FR" sz="6600" b="1" i="1" dirty="0" err="1">
+              <a:rPr lang="fr-FR" sz="8000" b="1" i="1" dirty="0" err="1">
                 <a:effectLst>
                   <a:outerShdw blurRad="38100" dist="38100" dir="2700000" algn="tl">
                     <a:srgbClr val="000000">
@@ -4395,7 +4357,7 @@
               <a:t>i</a:t>
             </a:r>
             <a:r>
-              <a:rPr lang="fr-FR" sz="6600" b="1" dirty="0" err="1">
+              <a:rPr lang="fr-FR" sz="8000" b="1" dirty="0" err="1">
                 <a:effectLst>
                   <a:outerShdw blurRad="38100" dist="38100" dir="2700000" algn="tl">
                     <a:srgbClr val="000000">
@@ -4407,7 +4369,7 @@
               <a:t>za</a:t>
             </a:r>
             <a:r>
-              <a:rPr lang="fr-FR" sz="6600" b="1" dirty="0">
+              <a:rPr lang="fr-FR" sz="8000" b="1" dirty="0">
                 <a:effectLst>
                   <a:outerShdw blurRad="38100" dist="38100" dir="2700000" algn="tl">
                     <a:srgbClr val="000000">
@@ -4419,7 +4381,7 @@
               <a:t> </a:t>
             </a:r>
             <a:r>
-              <a:rPr lang="fr-FR" sz="6600" b="1" dirty="0" err="1">
+              <a:rPr lang="fr-FR" sz="8000" b="1" dirty="0" err="1">
                 <a:effectLst>
                   <a:outerShdw blurRad="38100" dist="38100" dir="2700000" algn="tl">
                     <a:srgbClr val="000000">
@@ -4431,7 +4393,7 @@
               <a:t>lalana</a:t>
             </a:r>
             <a:r>
-              <a:rPr lang="fr-FR" sz="6600" b="1" dirty="0">
+              <a:rPr lang="fr-FR" sz="8000" b="1" dirty="0">
                 <a:effectLst>
                   <a:outerShdw blurRad="38100" dist="38100" dir="2700000" algn="tl">
                     <a:srgbClr val="000000">
@@ -4443,7 +4405,7 @@
               <a:t> </a:t>
             </a:r>
             <a:r>
-              <a:rPr lang="fr-FR" sz="6600" b="1" dirty="0" err="1">
+              <a:rPr lang="fr-FR" sz="8000" b="1" dirty="0" err="1">
                 <a:effectLst>
                   <a:outerShdw blurRad="38100" dist="38100" dir="2700000" algn="tl">
                     <a:srgbClr val="000000">
@@ -4454,7 +4416,7 @@
               </a:rPr>
               <a:t>ombana</a:t>
             </a:r>
-            <a:endParaRPr lang="fr-FR" sz="6600" b="1" dirty="0">
+            <a:endParaRPr lang="fr-FR" sz="8000" b="1" dirty="0">
               <a:effectLst>
                 <a:outerShdw blurRad="38100" dist="38100" dir="2700000" algn="tl">
                   <a:srgbClr val="000000">
@@ -4467,7 +4429,7 @@
           <a:p>
             <a:pPr algn="ctr"/>
             <a:r>
-              <a:rPr lang="fr-FR" sz="6600" b="1" dirty="0" err="1">
+              <a:rPr lang="fr-FR" sz="8000" b="1" dirty="0" err="1">
                 <a:effectLst>
                   <a:outerShdw blurRad="38100" dist="38100" dir="2700000" algn="tl">
                     <a:srgbClr val="000000">
@@ -4479,7 +4441,7 @@
               <a:t>Jeso</a:t>
             </a:r>
             <a:r>
-              <a:rPr lang="fr-FR" sz="6600" b="1" i="1" dirty="0" err="1">
+              <a:rPr lang="fr-FR" sz="8000" b="1" i="1" dirty="0" err="1">
                 <a:effectLst>
                   <a:outerShdw blurRad="38100" dist="38100" dir="2700000" algn="tl">
                     <a:srgbClr val="000000">
@@ -4491,7 +4453,7 @@
               <a:t>a</a:t>
             </a:r>
             <a:r>
-              <a:rPr lang="fr-FR" sz="6600" b="1" dirty="0">
+              <a:rPr lang="fr-FR" sz="8000" b="1" dirty="0">
                 <a:effectLst>
                   <a:outerShdw blurRad="38100" dist="38100" dir="2700000" algn="tl">
                     <a:srgbClr val="000000">
@@ -4503,7 +4465,7 @@
               <a:t>, </a:t>
             </a:r>
             <a:r>
-              <a:rPr lang="fr-FR" sz="6600" b="1" dirty="0" err="1">
+              <a:rPr lang="fr-FR" sz="8000" b="1" dirty="0" err="1">
                 <a:effectLst>
                   <a:outerShdw blurRad="38100" dist="38100" dir="2700000" algn="tl">
                     <a:srgbClr val="000000">
@@ -4514,7 +4476,7 @@
               </a:rPr>
               <a:t>apetrak’Aminao</a:t>
             </a:r>
-            <a:endParaRPr lang="fr-FR" sz="6600" b="1" dirty="0">
+            <a:endParaRPr lang="fr-FR" sz="8000" b="1" dirty="0">
               <a:effectLst>
                 <a:outerShdw blurRad="38100" dist="38100" dir="2700000" algn="tl">
                   <a:srgbClr val="000000">
@@ -4539,13 +4501,6 @@
   <p:transition spd="slow">
     <p:randomBar dir="vert"/>
   </p:transition>
-  <p:timing>
-    <p:tnLst>
-      <p:par>
-        <p:cTn id="1" dur="indefinite" restart="never" nodeType="tmRoot"/>
-      </p:par>
-    </p:tnLst>
-  </p:timing>
 </p:sld>
 </file>
 

--- a/Fihirana Fanampiny/FF 14.pptx
+++ b/Fihirana Fanampiny/FF 14.pptx
@@ -244,7 +244,7 @@
           <a:p>
             <a:fld id="{2ABC686B-68B3-4C91-AEB9-C09836735831}" type="datetimeFigureOut">
               <a:rPr lang="fr-FR" smtClean="0"/>
-              <a:t>09/07/2023</a:t>
+              <a:t>22/12/2024</a:t>
             </a:fld>
             <a:endParaRPr lang="fr-FR"/>
           </a:p>
@@ -412,7 +412,7 @@
           <a:p>
             <a:fld id="{2ABC686B-68B3-4C91-AEB9-C09836735831}" type="datetimeFigureOut">
               <a:rPr lang="fr-FR" smtClean="0"/>
-              <a:t>09/07/2023</a:t>
+              <a:t>22/12/2024</a:t>
             </a:fld>
             <a:endParaRPr lang="fr-FR"/>
           </a:p>
@@ -590,7 +590,7 @@
           <a:p>
             <a:fld id="{2ABC686B-68B3-4C91-AEB9-C09836735831}" type="datetimeFigureOut">
               <a:rPr lang="fr-FR" smtClean="0"/>
-              <a:t>09/07/2023</a:t>
+              <a:t>22/12/2024</a:t>
             </a:fld>
             <a:endParaRPr lang="fr-FR"/>
           </a:p>
@@ -758,7 +758,7 @@
           <a:p>
             <a:fld id="{2ABC686B-68B3-4C91-AEB9-C09836735831}" type="datetimeFigureOut">
               <a:rPr lang="fr-FR" smtClean="0"/>
-              <a:t>09/07/2023</a:t>
+              <a:t>22/12/2024</a:t>
             </a:fld>
             <a:endParaRPr lang="fr-FR"/>
           </a:p>
@@ -1003,7 +1003,7 @@
           <a:p>
             <a:fld id="{2ABC686B-68B3-4C91-AEB9-C09836735831}" type="datetimeFigureOut">
               <a:rPr lang="fr-FR" smtClean="0"/>
-              <a:t>09/07/2023</a:t>
+              <a:t>22/12/2024</a:t>
             </a:fld>
             <a:endParaRPr lang="fr-FR"/>
           </a:p>
@@ -1232,7 +1232,7 @@
           <a:p>
             <a:fld id="{2ABC686B-68B3-4C91-AEB9-C09836735831}" type="datetimeFigureOut">
               <a:rPr lang="fr-FR" smtClean="0"/>
-              <a:t>09/07/2023</a:t>
+              <a:t>22/12/2024</a:t>
             </a:fld>
             <a:endParaRPr lang="fr-FR"/>
           </a:p>
@@ -1596,7 +1596,7 @@
           <a:p>
             <a:fld id="{2ABC686B-68B3-4C91-AEB9-C09836735831}" type="datetimeFigureOut">
               <a:rPr lang="fr-FR" smtClean="0"/>
-              <a:t>09/07/2023</a:t>
+              <a:t>22/12/2024</a:t>
             </a:fld>
             <a:endParaRPr lang="fr-FR"/>
           </a:p>
@@ -1713,7 +1713,7 @@
           <a:p>
             <a:fld id="{2ABC686B-68B3-4C91-AEB9-C09836735831}" type="datetimeFigureOut">
               <a:rPr lang="fr-FR" smtClean="0"/>
-              <a:t>09/07/2023</a:t>
+              <a:t>22/12/2024</a:t>
             </a:fld>
             <a:endParaRPr lang="fr-FR"/>
           </a:p>
@@ -1808,7 +1808,7 @@
           <a:p>
             <a:fld id="{2ABC686B-68B3-4C91-AEB9-C09836735831}" type="datetimeFigureOut">
               <a:rPr lang="fr-FR" smtClean="0"/>
-              <a:t>09/07/2023</a:t>
+              <a:t>22/12/2024</a:t>
             </a:fld>
             <a:endParaRPr lang="fr-FR"/>
           </a:p>
@@ -2083,7 +2083,7 @@
           <a:p>
             <a:fld id="{2ABC686B-68B3-4C91-AEB9-C09836735831}" type="datetimeFigureOut">
               <a:rPr lang="fr-FR" smtClean="0"/>
-              <a:t>09/07/2023</a:t>
+              <a:t>22/12/2024</a:t>
             </a:fld>
             <a:endParaRPr lang="fr-FR"/>
           </a:p>
@@ -2335,7 +2335,7 @@
           <a:p>
             <a:fld id="{2ABC686B-68B3-4C91-AEB9-C09836735831}" type="datetimeFigureOut">
               <a:rPr lang="fr-FR" smtClean="0"/>
-              <a:t>09/07/2023</a:t>
+              <a:t>22/12/2024</a:t>
             </a:fld>
             <a:endParaRPr lang="fr-FR"/>
           </a:p>
@@ -2546,7 +2546,7 @@
           <a:p>
             <a:fld id="{2ABC686B-68B3-4C91-AEB9-C09836735831}" type="datetimeFigureOut">
               <a:rPr lang="fr-FR" smtClean="0"/>
-              <a:t>09/07/2023</a:t>
+              <a:t>22/12/2024</a:t>
             </a:fld>
             <a:endParaRPr lang="fr-FR"/>
           </a:p>
@@ -3114,7 +3114,7 @@
               <a:t>, </a:t>
             </a:r>
             <a:r>
-              <a:rPr lang="fr-FR" sz="8000" b="1" dirty="0" err="1">
+              <a:rPr lang="fr-FR" sz="8000" b="1" dirty="0" err="1" smtClean="0">
                 <a:effectLst>
                   <a:outerShdw blurRad="38100" dist="38100" dir="2700000" algn="tl">
                     <a:srgbClr val="000000">
@@ -3498,6 +3498,13 @@
   <p:clrMapOvr>
     <a:masterClrMapping/>
   </p:clrMapOvr>
+  <p:timing>
+    <p:tnLst>
+      <p:par>
+        <p:cTn id="1" dur="indefinite" restart="never" nodeType="tmRoot"/>
+      </p:par>
+    </p:tnLst>
+  </p:timing>
 </p:sld>
 </file>
 
@@ -3977,6 +3984,13 @@
   <p:transition spd="slow">
     <p:randomBar dir="vert"/>
   </p:transition>
+  <p:timing>
+    <p:tnLst>
+      <p:par>
+        <p:cTn id="1" dur="indefinite" restart="never" nodeType="tmRoot"/>
+      </p:par>
+    </p:tnLst>
+  </p:timing>
 </p:sld>
 </file>
 
@@ -4501,6 +4515,13 @@
   <p:transition spd="slow">
     <p:randomBar dir="vert"/>
   </p:transition>
+  <p:timing>
+    <p:tnLst>
+      <p:par>
+        <p:cTn id="1" dur="indefinite" restart="never" nodeType="tmRoot"/>
+      </p:par>
+    </p:tnLst>
+  </p:timing>
 </p:sld>
 </file>
 
